--- a/front-end/SITEMAP.pptx
+++ b/front-end/SITEMAP.pptx
@@ -244,7 +244,7 @@
           <a:p>
             <a:fld id="{00754CFE-C05F-46BD-B740-2E43C80FB8DD}" type="datetimeFigureOut">
               <a:rPr lang="en-US" smtClean="0"/>
-              <a:t>9/23/2021</a:t>
+              <a:t>9/29/2021</a:t>
             </a:fld>
             <a:endParaRPr lang="en-US"/>
           </a:p>
@@ -414,7 +414,7 @@
           <a:p>
             <a:fld id="{00754CFE-C05F-46BD-B740-2E43C80FB8DD}" type="datetimeFigureOut">
               <a:rPr lang="en-US" smtClean="0"/>
-              <a:t>9/23/2021</a:t>
+              <a:t>9/29/2021</a:t>
             </a:fld>
             <a:endParaRPr lang="en-US"/>
           </a:p>
@@ -594,7 +594,7 @@
           <a:p>
             <a:fld id="{00754CFE-C05F-46BD-B740-2E43C80FB8DD}" type="datetimeFigureOut">
               <a:rPr lang="en-US" smtClean="0"/>
-              <a:t>9/23/2021</a:t>
+              <a:t>9/29/2021</a:t>
             </a:fld>
             <a:endParaRPr lang="en-US"/>
           </a:p>
@@ -764,7 +764,7 @@
           <a:p>
             <a:fld id="{00754CFE-C05F-46BD-B740-2E43C80FB8DD}" type="datetimeFigureOut">
               <a:rPr lang="en-US" smtClean="0"/>
-              <a:t>9/23/2021</a:t>
+              <a:t>9/29/2021</a:t>
             </a:fld>
             <a:endParaRPr lang="en-US"/>
           </a:p>
@@ -1010,7 +1010,7 @@
           <a:p>
             <a:fld id="{00754CFE-C05F-46BD-B740-2E43C80FB8DD}" type="datetimeFigureOut">
               <a:rPr lang="en-US" smtClean="0"/>
-              <a:t>9/23/2021</a:t>
+              <a:t>9/29/2021</a:t>
             </a:fld>
             <a:endParaRPr lang="en-US"/>
           </a:p>
@@ -1242,7 +1242,7 @@
           <a:p>
             <a:fld id="{00754CFE-C05F-46BD-B740-2E43C80FB8DD}" type="datetimeFigureOut">
               <a:rPr lang="en-US" smtClean="0"/>
-              <a:t>9/23/2021</a:t>
+              <a:t>9/29/2021</a:t>
             </a:fld>
             <a:endParaRPr lang="en-US"/>
           </a:p>
@@ -1609,7 +1609,7 @@
           <a:p>
             <a:fld id="{00754CFE-C05F-46BD-B740-2E43C80FB8DD}" type="datetimeFigureOut">
               <a:rPr lang="en-US" smtClean="0"/>
-              <a:t>9/23/2021</a:t>
+              <a:t>9/29/2021</a:t>
             </a:fld>
             <a:endParaRPr lang="en-US"/>
           </a:p>
@@ -1727,7 +1727,7 @@
           <a:p>
             <a:fld id="{00754CFE-C05F-46BD-B740-2E43C80FB8DD}" type="datetimeFigureOut">
               <a:rPr lang="en-US" smtClean="0"/>
-              <a:t>9/23/2021</a:t>
+              <a:t>9/29/2021</a:t>
             </a:fld>
             <a:endParaRPr lang="en-US"/>
           </a:p>
@@ -1822,7 +1822,7 @@
           <a:p>
             <a:fld id="{00754CFE-C05F-46BD-B740-2E43C80FB8DD}" type="datetimeFigureOut">
               <a:rPr lang="en-US" smtClean="0"/>
-              <a:t>9/23/2021</a:t>
+              <a:t>9/29/2021</a:t>
             </a:fld>
             <a:endParaRPr lang="en-US"/>
           </a:p>
@@ -2099,7 +2099,7 @@
           <a:p>
             <a:fld id="{00754CFE-C05F-46BD-B740-2E43C80FB8DD}" type="datetimeFigureOut">
               <a:rPr lang="en-US" smtClean="0"/>
-              <a:t>9/23/2021</a:t>
+              <a:t>9/29/2021</a:t>
             </a:fld>
             <a:endParaRPr lang="en-US"/>
           </a:p>
@@ -2352,7 +2352,7 @@
           <a:p>
             <a:fld id="{00754CFE-C05F-46BD-B740-2E43C80FB8DD}" type="datetimeFigureOut">
               <a:rPr lang="en-US" smtClean="0"/>
-              <a:t>9/23/2021</a:t>
+              <a:t>9/29/2021</a:t>
             </a:fld>
             <a:endParaRPr lang="en-US"/>
           </a:p>
@@ -2565,7 +2565,7 @@
           <a:p>
             <a:fld id="{00754CFE-C05F-46BD-B740-2E43C80FB8DD}" type="datetimeFigureOut">
               <a:rPr lang="en-US" smtClean="0"/>
-              <a:t>9/23/2021</a:t>
+              <a:t>9/29/2021</a:t>
             </a:fld>
             <a:endParaRPr lang="en-US"/>
           </a:p>
@@ -3866,8 +3866,21 @@
                   <a:schemeClr val="tx1"/>
                 </a:solidFill>
               </a:rPr>
-              <a:t>Lista de E-mails/Skype</a:t>
-            </a:r>
+              <a:t>Lista de </a:t>
+            </a:r>
+            <a:r>
+              <a:rPr lang="pt-BR" sz="1200" dirty="0" smtClean="0">
+                <a:solidFill>
+                  <a:schemeClr val="tx1"/>
+                </a:solidFill>
+              </a:rPr>
+              <a:t>E-mails</a:t>
+            </a:r>
+            <a:endParaRPr lang="pt-BR" sz="1200" dirty="0" smtClean="0">
+              <a:solidFill>
+                <a:schemeClr val="tx1"/>
+              </a:solidFill>
+            </a:endParaRPr>
           </a:p>
           <a:p>
             <a:pPr marL="171450" indent="-171450">
@@ -3933,15 +3946,7 @@
                   <a:schemeClr val="tx1"/>
                 </a:solidFill>
               </a:rPr>
-              <a:t>Ocorrência </a:t>
-            </a:r>
-            <a:r>
-              <a:rPr lang="pt-BR" sz="1200" dirty="0" smtClean="0">
-                <a:solidFill>
-                  <a:schemeClr val="tx1"/>
-                </a:solidFill>
-              </a:rPr>
-              <a:t>de Ponto</a:t>
+              <a:t>Ocorrência de Ponto</a:t>
             </a:r>
           </a:p>
           <a:p>
@@ -5615,8 +5620,21 @@
                   <a:schemeClr val="tx1"/>
                 </a:solidFill>
               </a:rPr>
-              <a:t>Lista de E-mails/Skype</a:t>
-            </a:r>
+              <a:t>Lista de </a:t>
+            </a:r>
+            <a:r>
+              <a:rPr lang="pt-BR" sz="1200" dirty="0" smtClean="0">
+                <a:solidFill>
+                  <a:schemeClr val="tx1"/>
+                </a:solidFill>
+              </a:rPr>
+              <a:t>E-mails</a:t>
+            </a:r>
+            <a:endParaRPr lang="pt-BR" sz="1200" dirty="0" smtClean="0">
+              <a:solidFill>
+                <a:schemeClr val="tx1"/>
+              </a:solidFill>
+            </a:endParaRPr>
           </a:p>
           <a:p>
             <a:pPr marL="171450" indent="-171450">
@@ -5682,15 +5700,7 @@
                   <a:schemeClr val="tx1"/>
                 </a:solidFill>
               </a:rPr>
-              <a:t>Ocorrência </a:t>
-            </a:r>
-            <a:r>
-              <a:rPr lang="pt-BR" sz="1200" dirty="0" smtClean="0">
-                <a:solidFill>
-                  <a:schemeClr val="tx1"/>
-                </a:solidFill>
-              </a:rPr>
-              <a:t>de Ponto</a:t>
+              <a:t>Ocorrência de Ponto</a:t>
             </a:r>
           </a:p>
           <a:p>
